--- a/Modelica Project Midterm.pptx
+++ b/Modelica Project Midterm.pptx
@@ -13,6 +13,8 @@
     <p:sldId id="261" r:id="rId7"/>
     <p:sldId id="260" r:id="rId8"/>
     <p:sldId id="262" r:id="rId9"/>
+    <p:sldId id="264" r:id="rId10"/>
+    <p:sldId id="265" r:id="rId11"/>
   </p:sldIdLst>
   <p:sldSz cx="9144000" cy="6858000" type="screen4x3"/>
   <p:notesSz cx="6858000" cy="9144000"/>
@@ -3129,6 +3131,182 @@
 </p:sld>
 </file>
 
+<file path=ppt/slides/slide10.xml><?xml version="1.0" encoding="utf-8"?>
+<p:sld xmlns:a="http://schemas.openxmlformats.org/drawingml/2006/main" xmlns:r="http://schemas.openxmlformats.org/officeDocument/2006/relationships" xmlns:p="http://schemas.openxmlformats.org/presentationml/2006/main">
+  <p:cSld>
+    <p:spTree>
+      <p:nvGrpSpPr>
+        <p:cNvPr id="1" name=""/>
+        <p:cNvGrpSpPr/>
+        <p:nvPr/>
+      </p:nvGrpSpPr>
+      <p:grpSpPr>
+        <a:xfrm>
+          <a:off x="0" y="0"/>
+          <a:ext cx="0" cy="0"/>
+          <a:chOff x="0" y="0"/>
+          <a:chExt cx="0" cy="0"/>
+        </a:xfrm>
+      </p:grpSpPr>
+      <p:sp>
+        <p:nvSpPr>
+          <p:cNvPr id="13" name="TextBox 12">
+            <a:extLst>
+              <a:ext uri="{FF2B5EF4-FFF2-40B4-BE49-F238E27FC236}">
+                <a16:creationId xmlns:a16="http://schemas.microsoft.com/office/drawing/2014/main" id="{A1C562BD-1FF1-4FC0-ABD2-8EA813C260A2}"/>
+              </a:ext>
+            </a:extLst>
+          </p:cNvPr>
+          <p:cNvSpPr txBox="1"/>
+          <p:nvPr/>
+        </p:nvSpPr>
+        <p:spPr>
+          <a:xfrm>
+            <a:off x="4148051" y="961404"/>
+            <a:ext cx="5320146" cy="415498"/>
+          </a:xfrm>
+          <a:prstGeom prst="rect">
+            <a:avLst/>
+          </a:prstGeom>
+          <a:noFill/>
+        </p:spPr>
+        <p:txBody>
+          <a:bodyPr wrap="square" rtlCol="0">
+            <a:spAutoFit/>
+          </a:bodyPr>
+          <a:lstStyle/>
+          <a:p>
+            <a:r>
+              <a:rPr lang="en-US" sz="1050" i="1" dirty="0">
+                <a:latin typeface="Bookman Old Style" panose="02050604050505020204" pitchFamily="18" charset="0"/>
+              </a:rPr>
+              <a:t>Objective: Implement sensors for the performance indicators ME</a:t>
+            </a:r>
+          </a:p>
+          <a:p>
+            <a:r>
+              <a:rPr lang="en-US" sz="1050" i="1" dirty="0">
+                <a:latin typeface="Bookman Old Style" panose="02050604050505020204" pitchFamily="18" charset="0"/>
+              </a:rPr>
+              <a:t>and SP. Calculate the overall cost indicator (OCI).</a:t>
+            </a:r>
+          </a:p>
+        </p:txBody>
+      </p:sp>
+      <p:sp>
+        <p:nvSpPr>
+          <p:cNvPr id="4" name="Title 3"/>
+          <p:cNvSpPr>
+            <a:spLocks noGrp="1"/>
+          </p:cNvSpPr>
+          <p:nvPr>
+            <p:ph type="title"/>
+          </p:nvPr>
+        </p:nvSpPr>
+        <p:spPr/>
+        <p:txBody>
+          <a:bodyPr/>
+          <a:lstStyle/>
+          <a:p>
+            <a:r>
+              <a:rPr lang="en-US" dirty="0">
+                <a:latin typeface="Book Antiqua" panose="02040602050305030304" pitchFamily="18" charset="0"/>
+              </a:rPr>
+              <a:t>Assignment 4</a:t>
+            </a:r>
+          </a:p>
+        </p:txBody>
+      </p:sp>
+      <p:pic>
+        <p:nvPicPr>
+          <p:cNvPr id="11" name="Picture 10">
+            <a:extLst>
+              <a:ext uri="{FF2B5EF4-FFF2-40B4-BE49-F238E27FC236}">
+                <a16:creationId xmlns:a16="http://schemas.microsoft.com/office/drawing/2014/main" id="{801DBEE1-5995-4A10-BE5B-39537A481075}"/>
+              </a:ext>
+            </a:extLst>
+          </p:cNvPr>
+          <p:cNvPicPr>
+            <a:picLocks noChangeAspect="1"/>
+          </p:cNvPicPr>
+          <p:nvPr/>
+        </p:nvPicPr>
+        <p:blipFill>
+          <a:blip r:embed="rId2" cstate="print">
+            <a:extLst>
+              <a:ext uri="{28A0092B-C50C-407E-A947-70E740481C1C}">
+                <a14:useLocalDpi xmlns:a14="http://schemas.microsoft.com/office/drawing/2010/main" val="0"/>
+              </a:ext>
+            </a:extLst>
+          </a:blip>
+          <a:stretch>
+            <a:fillRect/>
+          </a:stretch>
+        </p:blipFill>
+        <p:spPr>
+          <a:xfrm>
+            <a:off x="89636" y="2684601"/>
+            <a:ext cx="8964728" cy="3172859"/>
+          </a:xfrm>
+          <a:prstGeom prst="rect">
+            <a:avLst/>
+          </a:prstGeom>
+          <a:ln>
+            <a:solidFill>
+              <a:schemeClr val="tx1"/>
+            </a:solidFill>
+          </a:ln>
+        </p:spPr>
+      </p:pic>
+      <p:pic>
+        <p:nvPicPr>
+          <p:cNvPr id="5" name="Bilde 4">
+            <a:extLst>
+              <a:ext uri="{FF2B5EF4-FFF2-40B4-BE49-F238E27FC236}">
+                <a16:creationId xmlns:a16="http://schemas.microsoft.com/office/drawing/2014/main" id="{56EF1DEB-137C-4F71-B642-7B768EDCEB5C}"/>
+              </a:ext>
+            </a:extLst>
+          </p:cNvPr>
+          <p:cNvPicPr>
+            <a:picLocks noChangeAspect="1"/>
+          </p:cNvPicPr>
+          <p:nvPr/>
+        </p:nvPicPr>
+        <p:blipFill>
+          <a:blip r:embed="rId3">
+            <a:extLst>
+              <a:ext uri="{28A0092B-C50C-407E-A947-70E740481C1C}">
+                <a14:useLocalDpi xmlns:a14="http://schemas.microsoft.com/office/drawing/2010/main" val="0"/>
+              </a:ext>
+            </a:extLst>
+          </a:blip>
+          <a:stretch>
+            <a:fillRect/>
+          </a:stretch>
+        </p:blipFill>
+        <p:spPr>
+          <a:xfrm>
+            <a:off x="628650" y="2185147"/>
+            <a:ext cx="2486372" cy="190527"/>
+          </a:xfrm>
+          <a:prstGeom prst="rect">
+            <a:avLst/>
+          </a:prstGeom>
+        </p:spPr>
+      </p:pic>
+    </p:spTree>
+    <p:extLst>
+      <p:ext uri="{BB962C8B-B14F-4D97-AF65-F5344CB8AC3E}">
+        <p14:creationId xmlns:p14="http://schemas.microsoft.com/office/powerpoint/2010/main" val="3887488073"/>
+      </p:ext>
+    </p:extLst>
+  </p:cSld>
+  <p:clrMapOvr>
+    <a:masterClrMapping/>
+  </p:clrMapOvr>
+</p:sld>
+</file>
+
 <file path=ppt/slides/slide2.xml><?xml version="1.0" encoding="utf-8"?>
 <p:sld xmlns:a="http://schemas.openxmlformats.org/drawingml/2006/main" xmlns:r="http://schemas.openxmlformats.org/officeDocument/2006/relationships" xmlns:p="http://schemas.openxmlformats.org/presentationml/2006/main">
   <p:cSld>
@@ -4016,10 +4194,10 @@
       </p:sp>
       <p:pic>
         <p:nvPicPr>
-          <p:cNvPr id="3" name="Picture 2">
+          <p:cNvPr id="5" name="Bilde 4">
             <a:extLst>
               <a:ext uri="{FF2B5EF4-FFF2-40B4-BE49-F238E27FC236}">
-                <a16:creationId xmlns:a16="http://schemas.microsoft.com/office/drawing/2014/main" id="{306BCA37-2267-4083-9EA7-E660F15AF743}"/>
+                <a16:creationId xmlns:a16="http://schemas.microsoft.com/office/drawing/2014/main" id="{6EF1E6D4-936F-4159-B4F9-1E7CEC213211}"/>
               </a:ext>
             </a:extLst>
           </p:cNvPr>
@@ -4042,19 +4220,259 @@
         </p:blipFill>
         <p:spPr>
           <a:xfrm>
-            <a:off x="4572000" y="1376903"/>
-            <a:ext cx="4214121" cy="3953698"/>
+            <a:off x="343052" y="1690688"/>
+            <a:ext cx="4051000" cy="456163"/>
           </a:xfrm>
           <a:prstGeom prst="rect">
             <a:avLst/>
           </a:prstGeom>
-          <a:ln>
-            <a:solidFill>
-              <a:schemeClr val="tx1"/>
-            </a:solidFill>
-          </a:ln>
         </p:spPr>
       </p:pic>
+      <p:pic>
+        <p:nvPicPr>
+          <p:cNvPr id="8" name="Bilde 7">
+            <a:extLst>
+              <a:ext uri="{FF2B5EF4-FFF2-40B4-BE49-F238E27FC236}">
+                <a16:creationId xmlns:a16="http://schemas.microsoft.com/office/drawing/2014/main" id="{7C47E4A9-6E13-440F-961D-27B861A228D8}"/>
+              </a:ext>
+            </a:extLst>
+          </p:cNvPr>
+          <p:cNvPicPr>
+            <a:picLocks noChangeAspect="1"/>
+          </p:cNvPicPr>
+          <p:nvPr/>
+        </p:nvPicPr>
+        <p:blipFill>
+          <a:blip r:embed="rId3">
+            <a:extLst>
+              <a:ext uri="{28A0092B-C50C-407E-A947-70E740481C1C}">
+                <a14:useLocalDpi xmlns:a14="http://schemas.microsoft.com/office/drawing/2010/main" val="0"/>
+              </a:ext>
+            </a:extLst>
+          </a:blip>
+          <a:stretch>
+            <a:fillRect/>
+          </a:stretch>
+        </p:blipFill>
+        <p:spPr>
+          <a:xfrm>
+            <a:off x="4825698" y="1652033"/>
+            <a:ext cx="3258005" cy="533474"/>
+          </a:xfrm>
+          <a:prstGeom prst="rect">
+            <a:avLst/>
+          </a:prstGeom>
+        </p:spPr>
+      </p:pic>
+      <p:pic>
+        <p:nvPicPr>
+          <p:cNvPr id="15" name="Bilde 14">
+            <a:extLst>
+              <a:ext uri="{FF2B5EF4-FFF2-40B4-BE49-F238E27FC236}">
+                <a16:creationId xmlns:a16="http://schemas.microsoft.com/office/drawing/2014/main" id="{13E21381-D2BC-4118-B717-D64D55A6B22A}"/>
+              </a:ext>
+            </a:extLst>
+          </p:cNvPr>
+          <p:cNvPicPr>
+            <a:picLocks noChangeAspect="1"/>
+          </p:cNvPicPr>
+          <p:nvPr/>
+        </p:nvPicPr>
+        <p:blipFill>
+          <a:blip r:embed="rId4">
+            <a:extLst>
+              <a:ext uri="{28A0092B-C50C-407E-A947-70E740481C1C}">
+                <a14:useLocalDpi xmlns:a14="http://schemas.microsoft.com/office/drawing/2010/main" val="0"/>
+              </a:ext>
+            </a:extLst>
+          </a:blip>
+          <a:stretch>
+            <a:fillRect/>
+          </a:stretch>
+        </p:blipFill>
+        <p:spPr>
+          <a:xfrm>
+            <a:off x="4825698" y="2473890"/>
+            <a:ext cx="3610479" cy="3391373"/>
+          </a:xfrm>
+          <a:prstGeom prst="rect">
+            <a:avLst/>
+          </a:prstGeom>
+        </p:spPr>
+      </p:pic>
+      <p:cxnSp>
+        <p:nvCxnSpPr>
+          <p:cNvPr id="19" name="Rett linje 18">
+            <a:extLst>
+              <a:ext uri="{FF2B5EF4-FFF2-40B4-BE49-F238E27FC236}">
+                <a16:creationId xmlns:a16="http://schemas.microsoft.com/office/drawing/2014/main" id="{DC3FEA0A-A647-4E06-95FF-9450C57A69EB}"/>
+              </a:ext>
+            </a:extLst>
+          </p:cNvPr>
+          <p:cNvCxnSpPr>
+            <a:cxnSpLocks/>
+          </p:cNvCxnSpPr>
+          <p:nvPr/>
+        </p:nvCxnSpPr>
+        <p:spPr>
+          <a:xfrm>
+            <a:off x="4656291" y="1652033"/>
+            <a:ext cx="23359" cy="4801776"/>
+          </a:xfrm>
+          <a:prstGeom prst="line">
+            <a:avLst/>
+          </a:prstGeom>
+        </p:spPr>
+        <p:style>
+          <a:lnRef idx="1">
+            <a:schemeClr val="accent1"/>
+          </a:lnRef>
+          <a:fillRef idx="0">
+            <a:schemeClr val="accent1"/>
+          </a:fillRef>
+          <a:effectRef idx="0">
+            <a:schemeClr val="accent1"/>
+          </a:effectRef>
+          <a:fontRef idx="minor">
+            <a:schemeClr val="tx1"/>
+          </a:fontRef>
+        </p:style>
+      </p:cxnSp>
+      <p:pic>
+        <p:nvPicPr>
+          <p:cNvPr id="22" name="Bilde 21">
+            <a:extLst>
+              <a:ext uri="{FF2B5EF4-FFF2-40B4-BE49-F238E27FC236}">
+                <a16:creationId xmlns:a16="http://schemas.microsoft.com/office/drawing/2014/main" id="{9AF72506-EB20-420F-A5E3-61E52AA0394A}"/>
+              </a:ext>
+            </a:extLst>
+          </p:cNvPr>
+          <p:cNvPicPr>
+            <a:picLocks noChangeAspect="1"/>
+          </p:cNvPicPr>
+          <p:nvPr/>
+        </p:nvPicPr>
+        <p:blipFill>
+          <a:blip r:embed="rId5">
+            <a:extLst>
+              <a:ext uri="{28A0092B-C50C-407E-A947-70E740481C1C}">
+                <a14:useLocalDpi xmlns:a14="http://schemas.microsoft.com/office/drawing/2010/main" val="0"/>
+              </a:ext>
+            </a:extLst>
+          </a:blip>
+          <a:stretch>
+            <a:fillRect/>
+          </a:stretch>
+        </p:blipFill>
+        <p:spPr>
+          <a:xfrm>
+            <a:off x="440016" y="2460638"/>
+            <a:ext cx="4085155" cy="2129938"/>
+          </a:xfrm>
+          <a:prstGeom prst="rect">
+            <a:avLst/>
+          </a:prstGeom>
+        </p:spPr>
+      </p:pic>
+    </p:spTree>
+    <p:extLst>
+      <p:ext uri="{BB962C8B-B14F-4D97-AF65-F5344CB8AC3E}">
+        <p14:creationId xmlns:p14="http://schemas.microsoft.com/office/powerpoint/2010/main" val="113965871"/>
+      </p:ext>
+    </p:extLst>
+  </p:cSld>
+  <p:clrMapOvr>
+    <a:masterClrMapping/>
+  </p:clrMapOvr>
+</p:sld>
+</file>
+
+<file path=ppt/slides/slide9.xml><?xml version="1.0" encoding="utf-8"?>
+<p:sld xmlns:a="http://schemas.openxmlformats.org/drawingml/2006/main" xmlns:r="http://schemas.openxmlformats.org/officeDocument/2006/relationships" xmlns:p="http://schemas.openxmlformats.org/presentationml/2006/main">
+  <p:cSld>
+    <p:spTree>
+      <p:nvGrpSpPr>
+        <p:cNvPr id="1" name=""/>
+        <p:cNvGrpSpPr/>
+        <p:nvPr/>
+      </p:nvGrpSpPr>
+      <p:grpSpPr>
+        <a:xfrm>
+          <a:off x="0" y="0"/>
+          <a:ext cx="0" cy="0"/>
+          <a:chOff x="0" y="0"/>
+          <a:chExt cx="0" cy="0"/>
+        </a:xfrm>
+      </p:grpSpPr>
+      <p:sp>
+        <p:nvSpPr>
+          <p:cNvPr id="13" name="TextBox 12">
+            <a:extLst>
+              <a:ext uri="{FF2B5EF4-FFF2-40B4-BE49-F238E27FC236}">
+                <a16:creationId xmlns:a16="http://schemas.microsoft.com/office/drawing/2014/main" id="{A1C562BD-1FF1-4FC0-ABD2-8EA813C260A2}"/>
+              </a:ext>
+            </a:extLst>
+          </p:cNvPr>
+          <p:cNvSpPr txBox="1"/>
+          <p:nvPr/>
+        </p:nvSpPr>
+        <p:spPr>
+          <a:xfrm>
+            <a:off x="4148051" y="961404"/>
+            <a:ext cx="5320146" cy="415498"/>
+          </a:xfrm>
+          <a:prstGeom prst="rect">
+            <a:avLst/>
+          </a:prstGeom>
+          <a:noFill/>
+        </p:spPr>
+        <p:txBody>
+          <a:bodyPr wrap="square" rtlCol="0">
+            <a:spAutoFit/>
+          </a:bodyPr>
+          <a:lstStyle/>
+          <a:p>
+            <a:r>
+              <a:rPr lang="en-US" sz="1050" i="1" dirty="0">
+                <a:latin typeface="Bookman Old Style" panose="02050604050505020204" pitchFamily="18" charset="0"/>
+              </a:rPr>
+              <a:t>Objective: Implement sensors for the performance indicators ME</a:t>
+            </a:r>
+          </a:p>
+          <a:p>
+            <a:r>
+              <a:rPr lang="en-US" sz="1050" i="1" dirty="0">
+                <a:latin typeface="Bookman Old Style" panose="02050604050505020204" pitchFamily="18" charset="0"/>
+              </a:rPr>
+              <a:t>and SP. Calculate the overall cost indicator (OCI).</a:t>
+            </a:r>
+          </a:p>
+        </p:txBody>
+      </p:sp>
+      <p:sp>
+        <p:nvSpPr>
+          <p:cNvPr id="4" name="Title 3"/>
+          <p:cNvSpPr>
+            <a:spLocks noGrp="1"/>
+          </p:cNvSpPr>
+          <p:nvPr>
+            <p:ph type="title"/>
+          </p:nvPr>
+        </p:nvSpPr>
+        <p:spPr/>
+        <p:txBody>
+          <a:bodyPr/>
+          <a:lstStyle/>
+          <a:p>
+            <a:r>
+              <a:rPr lang="en-US" dirty="0">
+                <a:latin typeface="Book Antiqua" panose="02040602050305030304" pitchFamily="18" charset="0"/>
+              </a:rPr>
+              <a:t>Assignment 4</a:t>
+            </a:r>
+          </a:p>
+        </p:txBody>
+      </p:sp>
       <p:pic>
         <p:nvPicPr>
           <p:cNvPr id="7" name="Picture 6">
@@ -4070,7 +4488,7 @@
           <p:nvPr/>
         </p:nvPicPr>
         <p:blipFill>
-          <a:blip r:embed="rId3" cstate="print">
+          <a:blip r:embed="rId2" cstate="print">
             <a:extLst>
               <a:ext uri="{28A0092B-C50C-407E-A947-70E740481C1C}">
                 <a14:useLocalDpi xmlns:a14="http://schemas.microsoft.com/office/drawing/2010/main" val="0"/>
@@ -4083,8 +4501,8 @@
         </p:blipFill>
         <p:spPr>
           <a:xfrm>
-            <a:off x="29151" y="1347184"/>
-            <a:ext cx="4457850" cy="1816769"/>
+            <a:off x="60116" y="1376902"/>
+            <a:ext cx="5784093" cy="3631500"/>
           </a:xfrm>
           <a:prstGeom prst="rect">
             <a:avLst/>
@@ -4098,10 +4516,10 @@
       </p:pic>
       <p:pic>
         <p:nvPicPr>
-          <p:cNvPr id="9" name="Picture 8">
+          <p:cNvPr id="8" name="Bilde 7">
             <a:extLst>
               <a:ext uri="{FF2B5EF4-FFF2-40B4-BE49-F238E27FC236}">
-                <a16:creationId xmlns:a16="http://schemas.microsoft.com/office/drawing/2014/main" id="{2D6A9AA3-8146-4121-8066-3DD4088B75D4}"/>
+                <a16:creationId xmlns:a16="http://schemas.microsoft.com/office/drawing/2014/main" id="{73A4EFD1-FA9F-4879-B1F8-A875700815E4}"/>
               </a:ext>
             </a:extLst>
           </p:cNvPr>
@@ -4111,7 +4529,7 @@
           <p:nvPr/>
         </p:nvPicPr>
         <p:blipFill>
-          <a:blip r:embed="rId4" cstate="print">
+          <a:blip r:embed="rId3">
             <a:extLst>
               <a:ext uri="{28A0092B-C50C-407E-A947-70E740481C1C}">
                 <a14:useLocalDpi xmlns:a14="http://schemas.microsoft.com/office/drawing/2010/main" val="0"/>
@@ -4124,64 +4542,18 @@
         </p:blipFill>
         <p:spPr>
           <a:xfrm>
-            <a:off x="29151" y="3163953"/>
-            <a:ext cx="4457850" cy="1816769"/>
+            <a:off x="2676132" y="5101167"/>
+            <a:ext cx="5540215" cy="1599897"/>
           </a:xfrm>
           <a:prstGeom prst="rect">
             <a:avLst/>
           </a:prstGeom>
-          <a:ln>
-            <a:solidFill>
-              <a:schemeClr val="tx1"/>
-            </a:solidFill>
-          </a:ln>
-        </p:spPr>
-      </p:pic>
-      <p:pic>
-        <p:nvPicPr>
-          <p:cNvPr id="11" name="Picture 10">
-            <a:extLst>
-              <a:ext uri="{FF2B5EF4-FFF2-40B4-BE49-F238E27FC236}">
-                <a16:creationId xmlns:a16="http://schemas.microsoft.com/office/drawing/2014/main" id="{801DBEE1-5995-4A10-BE5B-39537A481075}"/>
-              </a:ext>
-            </a:extLst>
-          </p:cNvPr>
-          <p:cNvPicPr>
-            <a:picLocks noChangeAspect="1"/>
-          </p:cNvPicPr>
-          <p:nvPr/>
-        </p:nvPicPr>
-        <p:blipFill>
-          <a:blip r:embed="rId5" cstate="print">
-            <a:extLst>
-              <a:ext uri="{28A0092B-C50C-407E-A947-70E740481C1C}">
-                <a14:useLocalDpi xmlns:a14="http://schemas.microsoft.com/office/drawing/2010/main" val="0"/>
-              </a:ext>
-            </a:extLst>
-          </a:blip>
-          <a:stretch>
-            <a:fillRect/>
-          </a:stretch>
-        </p:blipFill>
-        <p:spPr>
-          <a:xfrm>
-            <a:off x="29151" y="4980722"/>
-            <a:ext cx="4457850" cy="1816769"/>
-          </a:xfrm>
-          <a:prstGeom prst="rect">
-            <a:avLst/>
-          </a:prstGeom>
-          <a:ln>
-            <a:solidFill>
-              <a:schemeClr val="tx1"/>
-            </a:solidFill>
-          </a:ln>
         </p:spPr>
       </p:pic>
     </p:spTree>
     <p:extLst>
       <p:ext uri="{BB962C8B-B14F-4D97-AF65-F5344CB8AC3E}">
-        <p14:creationId xmlns:p14="http://schemas.microsoft.com/office/powerpoint/2010/main" val="113965871"/>
+        <p14:creationId xmlns:p14="http://schemas.microsoft.com/office/powerpoint/2010/main" val="3788979956"/>
       </p:ext>
     </p:extLst>
   </p:cSld>
